--- a/SERequirementAnalysis_Pre_1.pptx
+++ b/SERequirementAnalysis_Pre_1.pptx
@@ -112,6 +112,11 @@
       </a:defRPr>
     </a:lvl9pPr>
   </p:defaultTextStyle>
+  <p:extLst>
+    <p:ext uri="{EFAFB233-063F-42B5-8137-9DF3F51BA10A}">
+      <p15:sldGuideLst xmlns:p15="http://schemas.microsoft.com/office/powerpoint/2012/main"/>
+    </p:ext>
+  </p:extLst>
 </p:presentation>
 </file>
 
@@ -3130,11 +3135,11 @@
               <a:t>李凯文 工物</a:t>
             </a:r>
             <a:r>
-              <a:rPr lang="en-US" altLang="zh-CN" smtClean="0"/>
+              <a:rPr lang="en-US" altLang="zh-CN" dirty="0" smtClean="0"/>
               <a:t>40 </a:t>
             </a:r>
             <a:r>
-              <a:rPr lang="en-US" altLang="zh-CN"/>
+              <a:rPr lang="en-US" altLang="zh-CN" dirty="0"/>
               <a:t>2014011756</a:t>
             </a:r>
             <a:endParaRPr lang="zh-CN" altLang="en-US" dirty="0"/>
@@ -3240,12 +3245,28 @@
               <a:t>是一</a:t>
             </a:r>
             <a:r>
-              <a:rPr lang="en-US" altLang="zh-CN" dirty="0"/>
+              <a:rPr lang="en-US" altLang="zh-CN" dirty="0" smtClean="0"/>
               <a:t>2D</a:t>
             </a:r>
             <a:r>
+              <a:rPr lang="zh-CN" altLang="en-US" dirty="0" smtClean="0"/>
+              <a:t>（</a:t>
+            </a:r>
+            <a:r>
+              <a:rPr lang="zh-CN" altLang="zh-CN" dirty="0" smtClean="0"/>
+              <a:t>卷轴</a:t>
+            </a:r>
+            <a:r>
+              <a:rPr lang="zh-CN" altLang="en-US" dirty="0" smtClean="0"/>
+              <a:t>）</a:t>
+            </a:r>
+            <a:r>
+              <a:rPr lang="zh-CN" altLang="zh-CN" dirty="0" smtClean="0"/>
+              <a:t>角色扮演</a:t>
+            </a:r>
+            <a:r>
               <a:rPr lang="zh-CN" altLang="zh-CN" dirty="0"/>
-              <a:t>卷轴角色扮演游戏。本软件将是一个基于</a:t>
+              <a:t>游戏。本软件将是一个基于</a:t>
             </a:r>
             <a:r>
               <a:rPr lang="en-US" altLang="zh-CN" dirty="0"/>
@@ -3539,6 +3560,58 @@
           <a:lstStyle/>
           <a:p>
             <a:r>
+              <a:rPr lang="zh-CN" altLang="zh-CN" dirty="0" smtClean="0"/>
+              <a:t>充满</a:t>
+            </a:r>
+            <a:r>
+              <a:rPr lang="zh-CN" altLang="zh-CN" dirty="0"/>
+              <a:t>科幻和幽默的故事</a:t>
+            </a:r>
+          </a:p>
+          <a:p>
+            <a:r>
+              <a:rPr lang="en-US" altLang="zh-CN" dirty="0"/>
+              <a:t>	</a:t>
+            </a:r>
+            <a:r>
+              <a:rPr lang="zh-CN" altLang="zh-CN" dirty="0"/>
+              <a:t>核心</a:t>
+            </a:r>
+            <a:r>
+              <a:rPr lang="zh-CN" altLang="zh-CN" dirty="0" smtClean="0"/>
+              <a:t>需要</a:t>
+            </a:r>
+            <a:r>
+              <a:rPr lang="zh-CN" altLang="en-US" dirty="0" smtClean="0"/>
+              <a:t>，</a:t>
+            </a:r>
+            <a:r>
+              <a:rPr lang="zh-CN" altLang="zh-CN" dirty="0" smtClean="0"/>
+              <a:t>目标</a:t>
+            </a:r>
+            <a:r>
+              <a:rPr lang="zh-CN" altLang="zh-CN" dirty="0"/>
+              <a:t>玩家在</a:t>
+            </a:r>
+            <a:r>
+              <a:rPr lang="en-US" altLang="zh-CN" dirty="0"/>
+              <a:t>RPG</a:t>
+            </a:r>
+            <a:r>
+              <a:rPr lang="zh-CN" altLang="zh-CN" dirty="0"/>
+              <a:t>的乐趣主要来源有二：一是紧凑而生动的剧情，这是我们可以做到的；二是精美的画面设计，限于时间和美工能力难以保证</a:t>
+            </a:r>
+            <a:r>
+              <a:rPr lang="zh-CN" altLang="zh-CN" dirty="0" smtClean="0"/>
+              <a:t>。</a:t>
+            </a:r>
+            <a:endParaRPr lang="en-US" altLang="zh-CN" dirty="0" smtClean="0"/>
+          </a:p>
+          <a:p>
+            <a:endParaRPr lang="en-US" altLang="zh-CN" dirty="0" smtClean="0"/>
+          </a:p>
+          <a:p>
+            <a:r>
               <a:rPr lang="zh-CN" altLang="zh-CN" dirty="0"/>
               <a:t>文字冒险部分</a:t>
             </a:r>
@@ -3549,78 +3622,18 @@
               <a:t>	</a:t>
             </a:r>
             <a:r>
-              <a:rPr lang="zh-CN" altLang="zh-CN" dirty="0" smtClean="0"/>
+              <a:rPr lang="zh-CN" altLang="zh-CN" dirty="0"/>
               <a:t>核心需要</a:t>
             </a:r>
             <a:r>
-              <a:rPr lang="zh-CN" altLang="en-US" dirty="0" smtClean="0"/>
+              <a:rPr lang="zh-CN" altLang="en-US" dirty="0"/>
               <a:t>，</a:t>
             </a:r>
             <a:r>
-              <a:rPr lang="zh-CN" altLang="zh-CN" dirty="0" smtClean="0"/>
-              <a:t>在相</a:t>
-            </a:r>
-            <a:r>
               <a:rPr lang="zh-CN" altLang="zh-CN" dirty="0"/>
-              <a:t>同工作量和不影响玩家体验下，可以有效增加剧情的容量</a:t>
-            </a:r>
-            <a:r>
-              <a:rPr lang="zh-CN" altLang="zh-CN" dirty="0" smtClean="0"/>
-              <a:t>。</a:t>
-            </a:r>
-            <a:endParaRPr lang="en-US" altLang="zh-CN" dirty="0" smtClean="0"/>
-          </a:p>
-          <a:p>
-            <a:endParaRPr lang="zh-CN" altLang="zh-CN" dirty="0"/>
-          </a:p>
-          <a:p>
-            <a:r>
-              <a:rPr lang="zh-CN" altLang="zh-CN" dirty="0" smtClean="0"/>
-              <a:t>充满</a:t>
-            </a:r>
-            <a:r>
-              <a:rPr lang="zh-CN" altLang="zh-CN" dirty="0"/>
-              <a:t>科幻和幽默的故事</a:t>
-            </a:r>
-          </a:p>
-          <a:p>
-            <a:r>
-              <a:rPr lang="en-US" altLang="zh-CN" dirty="0"/>
-              <a:t>	</a:t>
-            </a:r>
-            <a:r>
-              <a:rPr lang="zh-CN" altLang="zh-CN" dirty="0"/>
-              <a:t>核心</a:t>
-            </a:r>
-            <a:r>
-              <a:rPr lang="zh-CN" altLang="zh-CN" dirty="0" smtClean="0"/>
-              <a:t>需要</a:t>
-            </a:r>
-            <a:r>
-              <a:rPr lang="zh-CN" altLang="en-US" dirty="0" smtClean="0"/>
-              <a:t>，</a:t>
-            </a:r>
-            <a:r>
-              <a:rPr lang="zh-CN" altLang="zh-CN" dirty="0" smtClean="0"/>
-              <a:t>目标</a:t>
-            </a:r>
-            <a:r>
-              <a:rPr lang="zh-CN" altLang="zh-CN" dirty="0"/>
-              <a:t>玩家在</a:t>
-            </a:r>
-            <a:r>
-              <a:rPr lang="en-US" altLang="zh-CN" dirty="0"/>
-              <a:t>RPG</a:t>
-            </a:r>
-            <a:r>
-              <a:rPr lang="zh-CN" altLang="zh-CN" dirty="0"/>
-              <a:t>的乐趣主要来源有二：一是紧凑而生动的剧情，这是我们可以做到的；二是精美的画面设计，限于时间和美工能力难以保证</a:t>
-            </a:r>
-            <a:r>
-              <a:rPr lang="zh-CN" altLang="zh-CN" dirty="0" smtClean="0"/>
-              <a:t>。</a:t>
-            </a:r>
-            <a:endParaRPr lang="en-US" altLang="zh-CN" dirty="0" smtClean="0"/>
+              <a:t>在相同工作量和不影响玩家体验下，可以有效增加剧情的容量。</a:t>
+            </a:r>
+            <a:endParaRPr lang="en-US" altLang="zh-CN" dirty="0"/>
           </a:p>
           <a:p>
             <a:endParaRPr lang="zh-CN" altLang="zh-CN" dirty="0"/>
@@ -4009,7 +4022,7 @@
         <p:spPr>
           <a:xfrm>
             <a:off x="1641511" y="1443210"/>
-            <a:ext cx="7832995" cy="2862322"/>
+            <a:ext cx="7832995" cy="3970318"/>
           </a:xfrm>
           <a:prstGeom prst="rect">
             <a:avLst/>
@@ -4023,8 +4036,8 @@
           <a:lstStyle/>
           <a:p>
             <a:r>
-              <a:rPr lang="en-US" altLang="zh-CN" dirty="0"/>
-              <a:t>3.10.2 </a:t>
+              <a:rPr lang="en-US" altLang="zh-CN" dirty="0" smtClean="0"/>
+              <a:t> </a:t>
             </a:r>
             <a:r>
               <a:rPr lang="ja-JP" altLang="zh-CN" dirty="0"/>
@@ -4080,6 +4093,11 @@
             <a:endParaRPr lang="zh-CN" altLang="zh-CN" dirty="0"/>
           </a:p>
           <a:p>
+            <a:pPr>
+              <a:lnSpc>
+                <a:spcPct val="150000"/>
+              </a:lnSpc>
+            </a:pPr>
             <a:r>
               <a:rPr lang="en-US" altLang="zh-CN" dirty="0" smtClean="0"/>
               <a:t>	</a:t>
@@ -4126,6 +4144,11 @@
             </a:r>
           </a:p>
           <a:p>
+            <a:pPr>
+              <a:lnSpc>
+                <a:spcPct val="150000"/>
+              </a:lnSpc>
+            </a:pPr>
             <a:r>
               <a:rPr lang="en-US" altLang="zh-CN" dirty="0" smtClean="0"/>
               <a:t>	</a:t>
